--- a/GROUP PROJECT/SocialNetwork/Group Presentation - Business2.pptx
+++ b/GROUP PROJECT/SocialNetwork/Group Presentation - Business2.pptx
@@ -6,9 +6,10 @@
   </p:sldMasterIdLst>
   <p:sldIdLst>
     <p:sldId id="256" r:id="rId2"/>
-    <p:sldId id="260" r:id="rId3"/>
+    <p:sldId id="261" r:id="rId3"/>
     <p:sldId id="257" r:id="rId4"/>
     <p:sldId id="259" r:id="rId5"/>
+    <p:sldId id="260" r:id="rId6"/>
   </p:sldIdLst>
   <p:sldSz cx="9144000" cy="6858000" type="screen4x3"/>
   <p:notesSz cx="6858000" cy="9144000"/>
@@ -299,7 +300,7 @@
             <a:fld id="{1D8BD707-D9CF-40AE-B4C6-C98DA3205C09}" type="datetimeFigureOut">
               <a:rPr lang="en-US" smtClean="0"/>
               <a:pPr/>
-              <a:t>2/9/2017</a:t>
+              <a:t>2/10/2017</a:t>
             </a:fld>
             <a:endParaRPr lang="en-US"/>
           </a:p>
@@ -501,7 +502,7 @@
             <a:fld id="{1D8BD707-D9CF-40AE-B4C6-C98DA3205C09}" type="datetimeFigureOut">
               <a:rPr lang="en-US" smtClean="0"/>
               <a:pPr/>
-              <a:t>2/9/2017</a:t>
+              <a:t>2/10/2017</a:t>
             </a:fld>
             <a:endParaRPr lang="en-US"/>
           </a:p>
@@ -678,7 +679,7 @@
             <a:fld id="{1D8BD707-D9CF-40AE-B4C6-C98DA3205C09}" type="datetimeFigureOut">
               <a:rPr lang="en-US" smtClean="0"/>
               <a:pPr/>
-              <a:t>2/9/2017</a:t>
+              <a:t>2/10/2017</a:t>
             </a:fld>
             <a:endParaRPr lang="en-US"/>
           </a:p>
@@ -845,7 +846,7 @@
             <a:fld id="{1D8BD707-D9CF-40AE-B4C6-C98DA3205C09}" type="datetimeFigureOut">
               <a:rPr lang="en-US" smtClean="0"/>
               <a:pPr/>
-              <a:t>2/9/2017</a:t>
+              <a:t>2/10/2017</a:t>
             </a:fld>
             <a:endParaRPr lang="en-US"/>
           </a:p>
@@ -1095,7 +1096,7 @@
             <a:fld id="{1D8BD707-D9CF-40AE-B4C6-C98DA3205C09}" type="datetimeFigureOut">
               <a:rPr lang="en-US" smtClean="0"/>
               <a:pPr/>
-              <a:t>2/9/2017</a:t>
+              <a:t>2/10/2017</a:t>
             </a:fld>
             <a:endParaRPr lang="en-US"/>
           </a:p>
@@ -1415,7 +1416,7 @@
             <a:fld id="{1D8BD707-D9CF-40AE-B4C6-C98DA3205C09}" type="datetimeFigureOut">
               <a:rPr lang="en-US" smtClean="0"/>
               <a:pPr/>
-              <a:t>2/9/2017</a:t>
+              <a:t>2/10/2017</a:t>
             </a:fld>
             <a:endParaRPr lang="en-US"/>
           </a:p>
@@ -1883,7 +1884,7 @@
             <a:fld id="{1D8BD707-D9CF-40AE-B4C6-C98DA3205C09}" type="datetimeFigureOut">
               <a:rPr lang="en-US" smtClean="0"/>
               <a:pPr/>
-              <a:t>2/9/2017</a:t>
+              <a:t>2/10/2017</a:t>
             </a:fld>
             <a:endParaRPr lang="en-US"/>
           </a:p>
@@ -2033,7 +2034,7 @@
             <a:fld id="{1D8BD707-D9CF-40AE-B4C6-C98DA3205C09}" type="datetimeFigureOut">
               <a:rPr lang="en-US" smtClean="0"/>
               <a:pPr/>
-              <a:t>2/9/2017</a:t>
+              <a:t>2/10/2017</a:t>
             </a:fld>
             <a:endParaRPr lang="en-US"/>
           </a:p>
@@ -2125,7 +2126,7 @@
             <a:fld id="{1D8BD707-D9CF-40AE-B4C6-C98DA3205C09}" type="datetimeFigureOut">
               <a:rPr lang="en-US" smtClean="0"/>
               <a:pPr/>
-              <a:t>2/9/2017</a:t>
+              <a:t>2/10/2017</a:t>
             </a:fld>
             <a:endParaRPr lang="en-US"/>
           </a:p>
@@ -2401,7 +2402,7 @@
             <a:fld id="{1D8BD707-D9CF-40AE-B4C6-C98DA3205C09}" type="datetimeFigureOut">
               <a:rPr lang="en-US" smtClean="0"/>
               <a:pPr/>
-              <a:t>2/9/2017</a:t>
+              <a:t>2/10/2017</a:t>
             </a:fld>
             <a:endParaRPr lang="en-US"/>
           </a:p>
@@ -2708,7 +2709,7 @@
             <a:fld id="{1D8BD707-D9CF-40AE-B4C6-C98DA3205C09}" type="datetimeFigureOut">
               <a:rPr lang="en-US" smtClean="0"/>
               <a:pPr/>
-              <a:t>2/9/2017</a:t>
+              <a:t>2/10/2017</a:t>
             </a:fld>
             <a:endParaRPr lang="en-US"/>
           </a:p>
@@ -3008,7 +3009,7 @@
             <a:fld id="{1D8BD707-D9CF-40AE-B4C6-C98DA3205C09}" type="datetimeFigureOut">
               <a:rPr lang="en-US" smtClean="0"/>
               <a:pPr/>
-              <a:t>2/9/2017</a:t>
+              <a:t>2/10/2017</a:t>
             </a:fld>
             <a:endParaRPr lang="en-US"/>
           </a:p>
@@ -3423,7 +3424,11 @@
           <a:p>
             <a:r>
               <a:rPr lang="en-GB" dirty="0" smtClean="0"/>
-              <a:t>Website Presentation</a:t>
+              <a:t>TECHNICAL </a:t>
+            </a:r>
+            <a:r>
+              <a:rPr lang="en-GB" dirty="0" smtClean="0"/>
+              <a:t>Presentation</a:t>
             </a:r>
             <a:endParaRPr lang="en-GB" dirty="0"/>
           </a:p>
@@ -3487,14 +3492,32 @@
           <a:p>
             <a:pPr indent="174625"/>
             <a:r>
+              <a:rPr lang="en-GB" sz="4500" dirty="0"/>
+              <a:t>Bishan Meghani</a:t>
+            </a:r>
+          </a:p>
+          <a:p>
+            <a:pPr indent="174625"/>
+            <a:r>
               <a:rPr lang="en-GB" sz="4500" dirty="0" smtClean="0"/>
-              <a:t>Ben Bowes</a:t>
+              <a:t>Ben </a:t>
+            </a:r>
+            <a:r>
+              <a:rPr lang="en-GB" sz="4500" dirty="0" smtClean="0"/>
+              <a:t>Bowes</a:t>
             </a:r>
           </a:p>
           <a:p>
             <a:pPr indent="174625"/>
             <a:r>
               <a:rPr lang="en-GB" sz="4500" dirty="0"/>
+              <a:t>Mario Reid</a:t>
+            </a:r>
+          </a:p>
+          <a:p>
+            <a:pPr indent="174625"/>
+            <a:r>
+              <a:rPr lang="en-GB" sz="4500" dirty="0" smtClean="0"/>
               <a:t>Suleman </a:t>
             </a:r>
             <a:r>
@@ -3512,18 +3535,7 @@
           <a:p>
             <a:pPr indent="174625"/>
             <a:r>
-              <a:rPr lang="en-GB" sz="4500" dirty="0"/>
-              <a:t>Bishan </a:t>
-            </a:r>
-            <a:r>
               <a:rPr lang="en-GB" sz="4500" dirty="0" smtClean="0"/>
-              <a:t>Meghani</a:t>
-            </a:r>
-          </a:p>
-          <a:p>
-            <a:pPr indent="174625"/>
-            <a:r>
-              <a:rPr lang="en-GB" sz="4500" dirty="0"/>
               <a:t>Spencer </a:t>
             </a:r>
             <a:r>
@@ -3536,15 +3548,13 @@
             <a:pPr indent="174625"/>
             <a:r>
               <a:rPr lang="en-GB" sz="4500" dirty="0" smtClean="0"/>
-              <a:t>Andrew Norman</a:t>
-            </a:r>
-          </a:p>
-          <a:p>
-            <a:pPr indent="174625"/>
+              <a:t>Andrew </a:t>
+            </a:r>
             <a:r>
               <a:rPr lang="en-GB" sz="4500" dirty="0" smtClean="0"/>
-              <a:t>Mario Reid</a:t>
-            </a:r>
+              <a:t>Norman</a:t>
+            </a:r>
+            <a:endParaRPr lang="en-GB" sz="4500" dirty="0" smtClean="0"/>
           </a:p>
         </p:txBody>
       </p:sp>
@@ -3679,8 +3689,23 @@
           <a:p>
             <a:r>
               <a:rPr lang="en-GB" sz="2800" dirty="0" smtClean="0"/>
-              <a:t>Users can search for code as well as other users</a:t>
-            </a:r>
+              <a:t>Users can search for code as well as other </a:t>
+            </a:r>
+            <a:r>
+              <a:rPr lang="en-GB" sz="2800" dirty="0" smtClean="0"/>
+              <a:t>users</a:t>
+            </a:r>
+          </a:p>
+          <a:p>
+            <a:pPr marL="0" indent="0">
+              <a:buNone/>
+            </a:pPr>
+            <a:endParaRPr lang="en-GB" sz="2800" dirty="0"/>
+          </a:p>
+          <a:p>
+            <a:pPr marL="0" indent="0">
+              <a:buNone/>
+            </a:pPr>
             <a:endParaRPr lang="en-GB" sz="2800" dirty="0"/>
           </a:p>
         </p:txBody>
@@ -3688,7 +3713,7 @@
     </p:spTree>
     <p:extLst>
       <p:ext uri="{BB962C8B-B14F-4D97-AF65-F5344CB8AC3E}">
-        <p14:creationId xmlns:p14="http://schemas.microsoft.com/office/powerpoint/2010/main" val="2716173217"/>
+        <p14:creationId xmlns:p14="http://schemas.microsoft.com/office/powerpoint/2010/main" val="93647889"/>
       </p:ext>
     </p:extLst>
   </p:cSld>
@@ -3844,70 +3869,194 @@
           <a:p>
             <a:r>
               <a:rPr lang="en-GB" dirty="0" smtClean="0"/>
-              <a:t>Website Demo…</a:t>
+              <a:t>Code Demo</a:t>
             </a:r>
             <a:endParaRPr lang="en-GB" dirty="0"/>
           </a:p>
         </p:txBody>
       </p:sp>
-      <p:pic>
-        <p:nvPicPr>
-          <p:cNvPr id="1027" name="Picture 3"/>
-          <p:cNvPicPr>
-            <a:picLocks noGrp="1" noChangeAspect="1" noChangeArrowheads="1"/>
-          </p:cNvPicPr>
+      <p:sp>
+        <p:nvSpPr>
+          <p:cNvPr id="3" name="Content Placeholder 2"/>
+          <p:cNvSpPr>
+            <a:spLocks noGrp="1"/>
+          </p:cNvSpPr>
           <p:nvPr>
             <p:ph idx="1"/>
           </p:nvPr>
-        </p:nvPicPr>
-        <p:blipFill rotWithShape="1">
-          <a:blip r:embed="rId2">
-            <a:extLst>
-              <a:ext uri="{28A0092B-C50C-407E-A947-70E740481C1C}">
-                <a14:useLocalDpi xmlns:a14="http://schemas.microsoft.com/office/drawing/2010/main" val="0"/>
-              </a:ext>
-            </a:extLst>
-          </a:blip>
-          <a:srcRect t="2674" b="4732"/>
-          <a:stretch/>
-        </p:blipFill>
-        <p:spPr bwMode="auto">
-          <a:xfrm>
-            <a:off x="457200" y="1600200"/>
-            <a:ext cx="8305800" cy="4648199"/>
-          </a:xfrm>
-          <a:prstGeom prst="rect">
-            <a:avLst/>
-          </a:prstGeom>
-          <a:noFill/>
-          <a:ln>
-            <a:noFill/>
-          </a:ln>
-          <a:extLst>
-            <a:ext uri="{909E8E84-426E-40DD-AFC4-6F175D3DCCD1}">
-              <a14:hiddenFill xmlns:a14="http://schemas.microsoft.com/office/drawing/2010/main">
-                <a:solidFill>
-                  <a:schemeClr val="accent1"/>
-                </a:solidFill>
-              </a14:hiddenFill>
-            </a:ext>
-            <a:ext uri="{91240B29-F687-4F45-9708-019B960494DF}">
-              <a14:hiddenLine xmlns:a14="http://schemas.microsoft.com/office/drawing/2010/main" w="9525">
-                <a:solidFill>
-                  <a:schemeClr val="tx1"/>
-                </a:solidFill>
-                <a:miter lim="800000"/>
-                <a:headEnd/>
-                <a:tailEnd/>
-              </a14:hiddenLine>
-            </a:ext>
-          </a:extLst>
-        </p:spPr>
-      </p:pic>
+        </p:nvSpPr>
+        <p:spPr/>
+        <p:txBody>
+          <a:bodyPr/>
+          <a:lstStyle/>
+          <a:p>
+            <a:r>
+              <a:rPr lang="en-GB" dirty="0" smtClean="0"/>
+              <a:t>Database Layer</a:t>
+            </a:r>
+          </a:p>
+          <a:p>
+            <a:r>
+              <a:rPr lang="en-GB" dirty="0" smtClean="0"/>
+              <a:t>Logic Layer</a:t>
+            </a:r>
+          </a:p>
+          <a:p>
+            <a:r>
+              <a:rPr lang="en-GB" dirty="0" smtClean="0"/>
+              <a:t>Model View Controller</a:t>
+            </a:r>
+          </a:p>
+          <a:p>
+            <a:r>
+              <a:rPr lang="en-GB" dirty="0" smtClean="0"/>
+              <a:t>Code Coverage</a:t>
+            </a:r>
+          </a:p>
+          <a:p>
+            <a:r>
+              <a:rPr lang="en-GB" dirty="0" smtClean="0"/>
+              <a:t>Logging</a:t>
+            </a:r>
+          </a:p>
+          <a:p>
+            <a:r>
+              <a:rPr lang="en-GB" dirty="0" smtClean="0"/>
+              <a:t>Windows </a:t>
+            </a:r>
+            <a:r>
+              <a:rPr lang="en-GB" dirty="0"/>
+              <a:t>Presentation Foundation</a:t>
+            </a:r>
+          </a:p>
+          <a:p>
+            <a:endParaRPr lang="en-GB" dirty="0"/>
+          </a:p>
+        </p:txBody>
+      </p:sp>
     </p:spTree>
     <p:extLst>
       <p:ext uri="{BB962C8B-B14F-4D97-AF65-F5344CB8AC3E}">
         <p14:creationId xmlns:p14="http://schemas.microsoft.com/office/powerpoint/2010/main" val="2386322654"/>
+      </p:ext>
+    </p:extLst>
+  </p:cSld>
+  <p:clrMapOvr>
+    <a:masterClrMapping/>
+  </p:clrMapOvr>
+  <p:timing>
+    <p:tnLst>
+      <p:par>
+        <p:cTn id="1" dur="indefinite" restart="never" nodeType="tmRoot"/>
+      </p:par>
+    </p:tnLst>
+  </p:timing>
+</p:sld>
+</file>
+
+<file path=ppt/slides/slide5.xml><?xml version="1.0" encoding="utf-8"?>
+<p:sld xmlns:a="http://schemas.openxmlformats.org/drawingml/2006/main" xmlns:r="http://schemas.openxmlformats.org/officeDocument/2006/relationships" xmlns:p="http://schemas.openxmlformats.org/presentationml/2006/main">
+  <p:cSld>
+    <p:spTree>
+      <p:nvGrpSpPr>
+        <p:cNvPr id="1" name=""/>
+        <p:cNvGrpSpPr/>
+        <p:nvPr/>
+      </p:nvGrpSpPr>
+      <p:grpSpPr>
+        <a:xfrm>
+          <a:off x="0" y="0"/>
+          <a:ext cx="0" cy="0"/>
+          <a:chOff x="0" y="0"/>
+          <a:chExt cx="0" cy="0"/>
+        </a:xfrm>
+      </p:grpSpPr>
+      <p:sp>
+        <p:nvSpPr>
+          <p:cNvPr id="2" name="Title 1"/>
+          <p:cNvSpPr>
+            <a:spLocks noGrp="1"/>
+          </p:cNvSpPr>
+          <p:nvPr>
+            <p:ph type="title"/>
+          </p:nvPr>
+        </p:nvSpPr>
+        <p:spPr/>
+        <p:txBody>
+          <a:bodyPr/>
+          <a:lstStyle/>
+          <a:p>
+            <a:r>
+              <a:rPr lang="en-GB" dirty="0" smtClean="0"/>
+              <a:t>Project Reflections</a:t>
+            </a:r>
+            <a:endParaRPr lang="en-GB" dirty="0"/>
+          </a:p>
+        </p:txBody>
+      </p:sp>
+      <p:sp>
+        <p:nvSpPr>
+          <p:cNvPr id="3" name="Content Placeholder 2"/>
+          <p:cNvSpPr>
+            <a:spLocks noGrp="1"/>
+          </p:cNvSpPr>
+          <p:nvPr>
+            <p:ph idx="1"/>
+          </p:nvPr>
+        </p:nvSpPr>
+        <p:spPr/>
+        <p:txBody>
+          <a:bodyPr>
+            <a:normAutofit/>
+          </a:bodyPr>
+          <a:lstStyle/>
+          <a:p>
+            <a:r>
+              <a:rPr lang="en-GB" sz="2800" dirty="0" smtClean="0"/>
+              <a:t>Use GitHub instead of SVN – build errors</a:t>
+            </a:r>
+          </a:p>
+          <a:p>
+            <a:r>
+              <a:rPr lang="en-GB" sz="2800" dirty="0" smtClean="0"/>
+              <a:t>Use </a:t>
+            </a:r>
+            <a:r>
+              <a:rPr lang="en-GB" sz="2800" dirty="0" err="1" smtClean="0"/>
+              <a:t>NUnit</a:t>
+            </a:r>
+            <a:r>
+              <a:rPr lang="en-GB" sz="2800" dirty="0" smtClean="0"/>
+              <a:t> instead of </a:t>
+            </a:r>
+            <a:r>
+              <a:rPr lang="en-GB" sz="2800" dirty="0" err="1" smtClean="0"/>
+              <a:t>MSTest</a:t>
+            </a:r>
+            <a:endParaRPr lang="en-GB" sz="2800" dirty="0" smtClean="0"/>
+          </a:p>
+          <a:p>
+            <a:r>
+              <a:rPr lang="en-GB" sz="2800" dirty="0" smtClean="0"/>
+              <a:t>General housekeeping – clean code </a:t>
+            </a:r>
+          </a:p>
+          <a:p>
+            <a:r>
+              <a:rPr lang="en-GB" sz="2800" dirty="0" smtClean="0"/>
+              <a:t>WCF bugs</a:t>
+            </a:r>
+            <a:endParaRPr lang="en-GB" sz="2800" dirty="0" smtClean="0"/>
+          </a:p>
+          <a:p>
+            <a:endParaRPr lang="en-GB" sz="2800" dirty="0"/>
+          </a:p>
+        </p:txBody>
+      </p:sp>
+    </p:spTree>
+    <p:extLst>
+      <p:ext uri="{BB962C8B-B14F-4D97-AF65-F5344CB8AC3E}">
+        <p14:creationId xmlns:p14="http://schemas.microsoft.com/office/powerpoint/2010/main" val="2716173217"/>
       </p:ext>
     </p:extLst>
   </p:cSld>
